--- a/FinalTerm. 보고서(update2).pptx
+++ b/FinalTerm. 보고서(update2).pptx
@@ -1740,78 +1740,28 @@
               <a:t> </a:t>
             </a:r>
             <a:r>
-              <a:rPr lang="en-US" altLang="ko-KR" sz="3600" i="1" spc="-5" dirty="0">
-                <a:solidFill>
-                  <a:srgbClr val="FF0000"/>
+              <a:rPr lang="en-US" altLang="ko-KR" sz="3600" spc="-5" dirty="0" err="1">
+                <a:solidFill>
+                  <a:schemeClr val="bg1"/>
                 </a:solidFill>
                 <a:latin typeface="Times New Roman"/>
                 <a:cs typeface="Times New Roman"/>
               </a:rPr>
-              <a:t>XXX</a:t>
-            </a:r>
-            <a:r>
-              <a:rPr lang="ko-KR" altLang="en-US" sz="3600" i="1" spc="-5" dirty="0">
-                <a:solidFill>
-                  <a:srgbClr val="FF0000"/>
+              <a:t>FrontDoor</a:t>
+            </a:r>
+            <a:r>
+              <a:rPr lang="en-US" altLang="ko-KR" sz="3600" spc="-5" dirty="0">
+                <a:solidFill>
+                  <a:schemeClr val="bg1"/>
                 </a:solidFill>
                 <a:latin typeface="Times New Roman"/>
                 <a:cs typeface="Times New Roman"/>
               </a:rPr>
-              <a:t> </a:t>
-            </a:r>
-            <a:r>
-              <a:rPr lang="en-US" altLang="ko-KR" sz="3600" i="1" spc="-5" dirty="0">
-                <a:solidFill>
-                  <a:srgbClr val="FF0000"/>
-                </a:solidFill>
-                <a:latin typeface="Times New Roman"/>
-                <a:cs typeface="Times New Roman"/>
-              </a:rPr>
-              <a:t>(</a:t>
-            </a:r>
-            <a:r>
-              <a:rPr lang="ko-KR" altLang="en-US" sz="3600" i="1" spc="-5" dirty="0">
-                <a:solidFill>
-                  <a:srgbClr val="FF0000"/>
-                </a:solidFill>
-                <a:latin typeface="Times New Roman"/>
-                <a:cs typeface="Times New Roman"/>
-              </a:rPr>
-              <a:t>양식</a:t>
-            </a:r>
-            <a:r>
-              <a:rPr lang="en-US" altLang="ko-KR" sz="3600" i="1" spc="-5" dirty="0">
-                <a:solidFill>
-                  <a:srgbClr val="FF0000"/>
-                </a:solidFill>
-                <a:latin typeface="Times New Roman"/>
-                <a:cs typeface="Times New Roman"/>
-              </a:rPr>
-              <a:t>, PPT</a:t>
-            </a:r>
-            <a:r>
-              <a:rPr lang="ko-KR" altLang="en-US" sz="3600" i="1" spc="-5" dirty="0">
-                <a:solidFill>
-                  <a:srgbClr val="FF0000"/>
-                </a:solidFill>
-                <a:latin typeface="Times New Roman"/>
-                <a:cs typeface="Times New Roman"/>
-              </a:rPr>
-              <a:t> 파일로 제출</a:t>
-            </a:r>
-            <a:r>
-              <a:rPr lang="en-US" altLang="ko-KR" sz="3600" i="1" spc="-5" dirty="0">
-                <a:solidFill>
-                  <a:srgbClr val="FF0000"/>
-                </a:solidFill>
-                <a:latin typeface="Times New Roman"/>
-                <a:cs typeface="Times New Roman"/>
-              </a:rPr>
-              <a:t>)</a:t>
-            </a:r>
-            <a:endParaRPr sz="3600" i="1" spc="-5" dirty="0">
+              <a:t> Detection</a:t>
+            </a:r>
+            <a:endParaRPr sz="3600" spc="-5" dirty="0">
               <a:solidFill>
-                <a:srgbClr val="FF0000"/>
+                <a:schemeClr val="bg1"/>
               </a:solidFill>
               <a:latin typeface="Times New Roman"/>
               <a:cs typeface="Times New Roman"/>
@@ -1828,7 +1778,7 @@
         <p:spPr>
           <a:xfrm>
             <a:off x="6324600" y="3911489"/>
-            <a:ext cx="3122787" cy="764312"/>
+            <a:ext cx="3429000" cy="764312"/>
           </a:xfrm>
           <a:prstGeom prst="rect">
             <a:avLst/>
@@ -1879,9 +1829,9 @@
               <a:t> </a:t>
             </a:r>
             <a:r>
-              <a:rPr lang="en-US" altLang="ko-KR" sz="2400" i="1" spc="-5" dirty="0">
-                <a:solidFill>
-                  <a:srgbClr val="FF0000"/>
+              <a:rPr lang="en-US" altLang="ko-KR" sz="2400" spc="-5" dirty="0">
+                <a:solidFill>
+                  <a:schemeClr val="bg1"/>
                 </a:solidFill>
                 <a:latin typeface="Times New Roman"/>
                 <a:cs typeface="Times New Roman"/>
@@ -1901,7 +1851,7 @@
             <a:r>
               <a:rPr lang="ko-KR" altLang="en-US" sz="2400" spc="-5" dirty="0">
                 <a:solidFill>
-                  <a:srgbClr val="FFFFFF"/>
+                  <a:schemeClr val="bg1"/>
                 </a:solidFill>
                 <a:latin typeface="Times New Roman"/>
                 <a:cs typeface="Times New Roman"/>
@@ -1911,7 +1861,7 @@
             <a:r>
               <a:rPr lang="en-US" altLang="ko-KR" sz="2400" spc="-5" dirty="0">
                 <a:solidFill>
-                  <a:srgbClr val="FFFFFF"/>
+                  <a:schemeClr val="bg1"/>
                 </a:solidFill>
                 <a:latin typeface="Times New Roman"/>
                 <a:cs typeface="Times New Roman"/>
@@ -1921,7 +1871,7 @@
             <a:r>
               <a:rPr lang="ko-KR" altLang="en-US" sz="2400" spc="-5" dirty="0">
                 <a:solidFill>
-                  <a:srgbClr val="FFFFFF"/>
+                  <a:schemeClr val="bg1"/>
                 </a:solidFill>
                 <a:latin typeface="Times New Roman"/>
                 <a:cs typeface="Times New Roman"/>
@@ -1929,18 +1879,18 @@
               <a:t> </a:t>
             </a:r>
             <a:r>
-              <a:rPr lang="en-US" altLang="ko-KR" sz="2400" i="1" spc="-5" dirty="0">
-                <a:solidFill>
-                  <a:srgbClr val="FF0000"/>
+              <a:rPr lang="en-US" altLang="ko-KR" sz="2400" spc="-5" dirty="0">
+                <a:solidFill>
+                  <a:schemeClr val="bg1"/>
                 </a:solidFill>
                 <a:latin typeface="Times New Roman"/>
                 <a:cs typeface="Times New Roman"/>
               </a:rPr>
               <a:t>UMAIRA YUSRA</a:t>
             </a:r>
-            <a:endParaRPr sz="2400" i="1" dirty="0">
+            <a:endParaRPr sz="2400" dirty="0">
               <a:solidFill>
-                <a:srgbClr val="FF0000"/>
+                <a:schemeClr val="bg1"/>
               </a:solidFill>
               <a:latin typeface="Times New Roman"/>
               <a:cs typeface="Times New Roman"/>
@@ -10933,7 +10883,7 @@
         </p:blipFill>
         <p:spPr>
           <a:xfrm>
-            <a:off x="2128121" y="3453601"/>
+            <a:off x="1921652" y="3460652"/>
             <a:ext cx="1648020" cy="1648020"/>
           </a:xfrm>
           <a:prstGeom prst="rect">
